--- a/social/instagram - titles.pptx
+++ b/social/instagram - titles.pptx
@@ -104,6 +104,11 @@
       </a:defRPr>
     </a:lvl9pPr>
   </p:defaultTextStyle>
+  <p:extLst>
+    <p:ext uri="{EFAFB233-063F-42B5-8137-9DF3F51BA10A}">
+      <p15:sldGuideLst xmlns:p15="http://schemas.microsoft.com/office/powerpoint/2012/main"/>
+    </p:ext>
+  </p:extLst>
 </p:presentation>
 </file>
 
@@ -565,7 +570,7 @@
           <a:p>
             <a:fld id="{865D7AB1-FF78-44A7-B276-877EED28BAA5}" type="datetimeFigureOut">
               <a:rPr lang="en-US" smtClean="0"/>
-              <a:t>1/11/2022</a:t>
+              <a:t>1/12/2022</a:t>
             </a:fld>
             <a:endParaRPr lang="en-US"/>
           </a:p>
@@ -1031,8 +1036,8 @@
         </p:nvSpPr>
         <p:spPr>
           <a:xfrm>
-            <a:off x="7544487" y="457200"/>
-            <a:ext cx="1110882" cy="307777"/>
+            <a:off x="7454719" y="457200"/>
+            <a:ext cx="1200650" cy="307777"/>
           </a:xfrm>
           <a:prstGeom prst="rect">
             <a:avLst/>
@@ -1050,7 +1055,7 @@
               <a:rPr lang="en-US" sz="2000" dirty="0">
                 <a:latin typeface="Impact" panose="020B0806030902050204" pitchFamily="34" charset="0"/>
               </a:rPr>
-              <a:t>Jan 3, 2021</a:t>
+              <a:t>Jan 12, 2021</a:t>
             </a:r>
           </a:p>
         </p:txBody>
@@ -1069,8 +1074,8 @@
         </p:nvSpPr>
         <p:spPr>
           <a:xfrm>
-            <a:off x="7623034" y="8471356"/>
-            <a:ext cx="1032335" cy="215444"/>
+            <a:off x="7385790" y="8471356"/>
+            <a:ext cx="1269579" cy="215444"/>
           </a:xfrm>
           <a:prstGeom prst="rect">
             <a:avLst/>
@@ -1088,8 +1093,17 @@
               <a:rPr lang="en-US" sz="1400" dirty="0">
                 <a:latin typeface="Impact" panose="020B0806030902050204" pitchFamily="34" charset="0"/>
               </a:rPr>
-              <a:t>by Paok-Kilkis</a:t>
-            </a:r>
+              <a:t>by </a:t>
+            </a:r>
+            <a:r>
+              <a:rPr lang="en-US" sz="1400" dirty="0" err="1">
+                <a:latin typeface="Impact" panose="020B0806030902050204" pitchFamily="34" charset="0"/>
+              </a:rPr>
+              <a:t>BonaFideBOSS</a:t>
+            </a:r>
+            <a:endParaRPr lang="en-US" sz="1400" dirty="0">
+              <a:latin typeface="Impact" panose="020B0806030902050204" pitchFamily="34" charset="0"/>
+            </a:endParaRPr>
           </a:p>
         </p:txBody>
       </p:sp>
@@ -1108,7 +1122,7 @@
         <p:spPr>
           <a:xfrm>
             <a:off x="425769" y="8471356"/>
-            <a:ext cx="3143489" cy="215444"/>
+            <a:ext cx="3295774" cy="215444"/>
           </a:xfrm>
           <a:prstGeom prst="rect">
             <a:avLst/>
@@ -1125,7 +1139,7 @@
               <a:rPr lang="en-US" sz="1400" dirty="0">
                 <a:latin typeface="Impact" panose="020B0806030902050204" pitchFamily="34" charset="0"/>
               </a:rPr>
-              <a:t>https://www.imdb.com/poll/cPhM3zL05HI/</a:t>
+              <a:t>https://www.imdb.com/poll/KmhdR6iWUsM/</a:t>
             </a:r>
           </a:p>
         </p:txBody>
@@ -1145,7 +1159,7 @@
         <p:spPr>
           <a:xfrm>
             <a:off x="457200" y="1828800"/>
-            <a:ext cx="8229600" cy="2308324"/>
+            <a:ext cx="8229600" cy="3416320"/>
           </a:xfrm>
           <a:prstGeom prst="rect">
             <a:avLst/>
@@ -1171,17 +1185,67 @@
                 </a:effectLst>
                 <a:latin typeface="Impact" panose="020B0806030902050204" pitchFamily="34" charset="0"/>
               </a:rPr>
-              <a:t>Most Anticipated Movie of 2022</a:t>
+              <a:t>Golden Globes 2022</a:t>
+            </a:r>
+            <a:br>
+              <a:rPr lang="en-US" sz="7200" dirty="0">
+                <a:effectLst>
+                  <a:outerShdw blurRad="190500" dist="25400" dir="5400000" sx="102000" sy="102000" algn="t" rotWithShape="0">
+                    <a:prstClr val="black">
+                      <a:alpha val="20000"/>
+                    </a:prstClr>
+                  </a:outerShdw>
+                </a:effectLst>
+                <a:latin typeface="Impact" panose="020B0806030902050204" pitchFamily="34" charset="0"/>
+              </a:rPr>
+            </a:br>
+            <a:r>
+              <a:rPr lang="en-US" sz="7200" dirty="0">
+                <a:effectLst>
+                  <a:outerShdw blurRad="190500" dist="25400" dir="5400000" sx="102000" sy="102000" algn="t" rotWithShape="0">
+                    <a:prstClr val="black">
+                      <a:alpha val="20000"/>
+                    </a:prstClr>
+                  </a:outerShdw>
+                </a:effectLst>
+                <a:latin typeface="Impact" panose="020B0806030902050204" pitchFamily="34" charset="0"/>
+              </a:rPr>
+              <a:t>Films &amp; Shows</a:t>
+            </a:r>
+            <a:br>
+              <a:rPr lang="en-US" sz="7200" dirty="0">
+                <a:effectLst>
+                  <a:outerShdw blurRad="190500" dist="25400" dir="5400000" sx="102000" sy="102000" algn="t" rotWithShape="0">
+                    <a:prstClr val="black">
+                      <a:alpha val="20000"/>
+                    </a:prstClr>
+                  </a:outerShdw>
+                </a:effectLst>
+                <a:latin typeface="Impact" panose="020B0806030902050204" pitchFamily="34" charset="0"/>
+              </a:rPr>
+            </a:br>
+            <a:r>
+              <a:rPr lang="en-US" sz="7200" dirty="0">
+                <a:effectLst>
+                  <a:outerShdw blurRad="190500" dist="25400" dir="5400000" sx="102000" sy="102000" algn="t" rotWithShape="0">
+                    <a:prstClr val="black">
+                      <a:alpha val="20000"/>
+                    </a:prstClr>
+                  </a:outerShdw>
+                </a:effectLst>
+                <a:latin typeface="Impact" panose="020B0806030902050204" pitchFamily="34" charset="0"/>
+              </a:rPr>
+              <a:t>With Multiple Wins</a:t>
             </a:r>
           </a:p>
         </p:txBody>
       </p:sp>
       <p:sp>
         <p:nvSpPr>
-          <p:cNvPr id="19" name="Picture Placeholder 18">
-            <a:extLst>
-              <a:ext uri="{FF2B5EF4-FFF2-40B4-BE49-F238E27FC236}">
-                <a16:creationId xmlns:a16="http://schemas.microsoft.com/office/drawing/2014/main" id="{5CC27689-1D5A-4F45-996E-2CAC5A0D36C4}"/>
+          <p:cNvPr id="25" name="Picture Placeholder 24">
+            <a:extLst>
+              <a:ext uri="{FF2B5EF4-FFF2-40B4-BE49-F238E27FC236}">
+                <a16:creationId xmlns:a16="http://schemas.microsoft.com/office/drawing/2014/main" id="{F01B180F-85DC-4B08-8B5E-A7DBAE2F2862}"/>
               </a:ext>
             </a:extLst>
           </p:cNvPr>
@@ -1196,10 +1260,10 @@
       </p:sp>
       <p:sp>
         <p:nvSpPr>
-          <p:cNvPr id="20" name="Picture Placeholder 19">
-            <a:extLst>
-              <a:ext uri="{FF2B5EF4-FFF2-40B4-BE49-F238E27FC236}">
-                <a16:creationId xmlns:a16="http://schemas.microsoft.com/office/drawing/2014/main" id="{152FC72E-F66E-4E05-AB9A-35C221BBDB66}"/>
+          <p:cNvPr id="26" name="Picture Placeholder 25">
+            <a:extLst>
+              <a:ext uri="{FF2B5EF4-FFF2-40B4-BE49-F238E27FC236}">
+                <a16:creationId xmlns:a16="http://schemas.microsoft.com/office/drawing/2014/main" id="{9DA85C65-3915-42C5-A947-C3116C9EB2E7}"/>
               </a:ext>
             </a:extLst>
           </p:cNvPr>
@@ -1214,10 +1278,10 @@
       </p:sp>
       <p:sp>
         <p:nvSpPr>
-          <p:cNvPr id="21" name="Picture Placeholder 20">
-            <a:extLst>
-              <a:ext uri="{FF2B5EF4-FFF2-40B4-BE49-F238E27FC236}">
-                <a16:creationId xmlns:a16="http://schemas.microsoft.com/office/drawing/2014/main" id="{2BAF446F-1596-4E2B-9968-3DD4BBEB5C31}"/>
+          <p:cNvPr id="27" name="Picture Placeholder 26">
+            <a:extLst>
+              <a:ext uri="{FF2B5EF4-FFF2-40B4-BE49-F238E27FC236}">
+                <a16:creationId xmlns:a16="http://schemas.microsoft.com/office/drawing/2014/main" id="{C54E432B-800B-40B4-B69C-98FF541ED76B}"/>
               </a:ext>
             </a:extLst>
           </p:cNvPr>
@@ -1232,10 +1296,10 @@
       </p:sp>
       <p:sp>
         <p:nvSpPr>
-          <p:cNvPr id="22" name="Picture Placeholder 21">
-            <a:extLst>
-              <a:ext uri="{FF2B5EF4-FFF2-40B4-BE49-F238E27FC236}">
-                <a16:creationId xmlns:a16="http://schemas.microsoft.com/office/drawing/2014/main" id="{FC16DF82-85CC-4EE4-B7F6-3F64634EE09D}"/>
+          <p:cNvPr id="28" name="Picture Placeholder 27">
+            <a:extLst>
+              <a:ext uri="{FF2B5EF4-FFF2-40B4-BE49-F238E27FC236}">
+                <a16:creationId xmlns:a16="http://schemas.microsoft.com/office/drawing/2014/main" id="{0B831D98-FDA3-44B6-BD22-0706081C66FF}"/>
               </a:ext>
             </a:extLst>
           </p:cNvPr>
@@ -1250,10 +1314,10 @@
       </p:sp>
       <p:sp>
         <p:nvSpPr>
-          <p:cNvPr id="23" name="Picture Placeholder 22">
-            <a:extLst>
-              <a:ext uri="{FF2B5EF4-FFF2-40B4-BE49-F238E27FC236}">
-                <a16:creationId xmlns:a16="http://schemas.microsoft.com/office/drawing/2014/main" id="{1577FB81-D0A8-4580-A4C8-930529EEB217}"/>
+          <p:cNvPr id="29" name="Picture Placeholder 28">
+            <a:extLst>
+              <a:ext uri="{FF2B5EF4-FFF2-40B4-BE49-F238E27FC236}">
+                <a16:creationId xmlns:a16="http://schemas.microsoft.com/office/drawing/2014/main" id="{438D5D09-F7E2-439F-83B7-B6B81B6459E7}"/>
               </a:ext>
             </a:extLst>
           </p:cNvPr>
@@ -1268,10 +1332,10 @@
       </p:sp>
       <p:sp>
         <p:nvSpPr>
-          <p:cNvPr id="24" name="Picture Placeholder 23">
-            <a:extLst>
-              <a:ext uri="{FF2B5EF4-FFF2-40B4-BE49-F238E27FC236}">
-                <a16:creationId xmlns:a16="http://schemas.microsoft.com/office/drawing/2014/main" id="{F9A0F445-729D-4B0C-9AC3-A137B3F23D7A}"/>
+          <p:cNvPr id="30" name="Picture Placeholder 29">
+            <a:extLst>
+              <a:ext uri="{FF2B5EF4-FFF2-40B4-BE49-F238E27FC236}">
+                <a16:creationId xmlns:a16="http://schemas.microsoft.com/office/drawing/2014/main" id="{7DB766D3-4E7D-43AD-8009-C6DBBEB42689}"/>
               </a:ext>
             </a:extLst>
           </p:cNvPr>

--- a/social/instagram - titles.pptx
+++ b/social/instagram - titles.pptx
@@ -570,7 +570,7 @@
           <a:p>
             <a:fld id="{865D7AB1-FF78-44A7-B276-877EED28BAA5}" type="datetimeFigureOut">
               <a:rPr lang="en-US" smtClean="0"/>
-              <a:t>1/12/2022</a:t>
+              <a:t>1/14/2022</a:t>
             </a:fld>
             <a:endParaRPr lang="en-US"/>
           </a:p>
@@ -1036,8 +1036,8 @@
         </p:nvSpPr>
         <p:spPr>
           <a:xfrm>
-            <a:off x="7454719" y="457200"/>
-            <a:ext cx="1200650" cy="307777"/>
+            <a:off x="7446704" y="457200"/>
+            <a:ext cx="1208665" cy="307777"/>
           </a:xfrm>
           <a:prstGeom prst="rect">
             <a:avLst/>
@@ -1055,7 +1055,7 @@
               <a:rPr lang="en-US" sz="2000" dirty="0">
                 <a:latin typeface="Impact" panose="020B0806030902050204" pitchFamily="34" charset="0"/>
               </a:rPr>
-              <a:t>Jan 12, 2021</a:t>
+              <a:t>Jan 13, 2021</a:t>
             </a:r>
           </a:p>
         </p:txBody>
@@ -1074,8 +1074,8 @@
         </p:nvSpPr>
         <p:spPr>
           <a:xfrm>
-            <a:off x="7385790" y="8471356"/>
-            <a:ext cx="1269579" cy="215444"/>
+            <a:off x="7622970" y="8471356"/>
+            <a:ext cx="1032399" cy="215444"/>
           </a:xfrm>
           <a:prstGeom prst="rect">
             <a:avLst/>
@@ -1093,13 +1093,13 @@
               <a:rPr lang="en-US" sz="1400" dirty="0">
                 <a:latin typeface="Impact" panose="020B0806030902050204" pitchFamily="34" charset="0"/>
               </a:rPr>
-              <a:t>by </a:t>
+              <a:t>By </a:t>
             </a:r>
             <a:r>
               <a:rPr lang="en-US" sz="1400" dirty="0" err="1">
                 <a:latin typeface="Impact" panose="020B0806030902050204" pitchFamily="34" charset="0"/>
               </a:rPr>
-              <a:t>BonaFideBOSS</a:t>
+              <a:t>CyrilMartin</a:t>
             </a:r>
             <a:endParaRPr lang="en-US" sz="1400" dirty="0">
               <a:latin typeface="Impact" panose="020B0806030902050204" pitchFamily="34" charset="0"/>
@@ -1122,7 +1122,7 @@
         <p:spPr>
           <a:xfrm>
             <a:off x="425769" y="8471356"/>
-            <a:ext cx="3295774" cy="215444"/>
+            <a:ext cx="3146695" cy="215444"/>
           </a:xfrm>
           <a:prstGeom prst="rect">
             <a:avLst/>
@@ -1139,7 +1139,7 @@
               <a:rPr lang="en-US" sz="1400" dirty="0">
                 <a:latin typeface="Impact" panose="020B0806030902050204" pitchFamily="34" charset="0"/>
               </a:rPr>
-              <a:t>https://www.imdb.com/poll/KmhdR6iWUsM/</a:t>
+              <a:t>https://www.imdb.com/poll/2aZCIiHCCM8/</a:t>
             </a:r>
           </a:p>
         </p:txBody>
@@ -1159,7 +1159,7 @@
         <p:spPr>
           <a:xfrm>
             <a:off x="457200" y="1828800"/>
-            <a:ext cx="8229600" cy="3416320"/>
+            <a:ext cx="8229600" cy="2308324"/>
           </a:xfrm>
           <a:prstGeom prst="rect">
             <a:avLst/>
@@ -1185,7 +1185,7 @@
                 </a:effectLst>
                 <a:latin typeface="Impact" panose="020B0806030902050204" pitchFamily="34" charset="0"/>
               </a:rPr>
-              <a:t>Golden Globes 2022</a:t>
+              <a:t>Favorite Detective</a:t>
             </a:r>
             <a:br>
               <a:rPr lang="en-US" sz="7200" dirty="0">
@@ -1210,42 +1210,17 @@
                 </a:effectLst>
                 <a:latin typeface="Impact" panose="020B0806030902050204" pitchFamily="34" charset="0"/>
               </a:rPr>
-              <a:t>Films &amp; Shows</a:t>
-            </a:r>
-            <a:br>
-              <a:rPr lang="en-US" sz="7200" dirty="0">
-                <a:effectLst>
-                  <a:outerShdw blurRad="190500" dist="25400" dir="5400000" sx="102000" sy="102000" algn="t" rotWithShape="0">
-                    <a:prstClr val="black">
-                      <a:alpha val="20000"/>
-                    </a:prstClr>
-                  </a:outerShdw>
-                </a:effectLst>
-                <a:latin typeface="Impact" panose="020B0806030902050204" pitchFamily="34" charset="0"/>
-              </a:rPr>
-            </a:br>
-            <a:r>
-              <a:rPr lang="en-US" sz="7200" dirty="0">
-                <a:effectLst>
-                  <a:outerShdw blurRad="190500" dist="25400" dir="5400000" sx="102000" sy="102000" algn="t" rotWithShape="0">
-                    <a:prstClr val="black">
-                      <a:alpha val="20000"/>
-                    </a:prstClr>
-                  </a:outerShdw>
-                </a:effectLst>
-                <a:latin typeface="Impact" panose="020B0806030902050204" pitchFamily="34" charset="0"/>
-              </a:rPr>
-              <a:t>With Multiple Wins</a:t>
+              <a:t>TV Series</a:t>
             </a:r>
           </a:p>
         </p:txBody>
       </p:sp>
       <p:sp>
         <p:nvSpPr>
-          <p:cNvPr id="25" name="Picture Placeholder 24">
-            <a:extLst>
-              <a:ext uri="{FF2B5EF4-FFF2-40B4-BE49-F238E27FC236}">
-                <a16:creationId xmlns:a16="http://schemas.microsoft.com/office/drawing/2014/main" id="{F01B180F-85DC-4B08-8B5E-A7DBAE2F2862}"/>
+          <p:cNvPr id="2" name="Picture Placeholder 1">
+            <a:extLst>
+              <a:ext uri="{FF2B5EF4-FFF2-40B4-BE49-F238E27FC236}">
+                <a16:creationId xmlns:a16="http://schemas.microsoft.com/office/drawing/2014/main" id="{6EB6DE1F-751B-46D8-BE0A-4FD79E9402B1}"/>
               </a:ext>
             </a:extLst>
           </p:cNvPr>
@@ -1260,10 +1235,10 @@
       </p:sp>
       <p:sp>
         <p:nvSpPr>
-          <p:cNvPr id="26" name="Picture Placeholder 25">
-            <a:extLst>
-              <a:ext uri="{FF2B5EF4-FFF2-40B4-BE49-F238E27FC236}">
-                <a16:creationId xmlns:a16="http://schemas.microsoft.com/office/drawing/2014/main" id="{9DA85C65-3915-42C5-A947-C3116C9EB2E7}"/>
+          <p:cNvPr id="3" name="Picture Placeholder 2">
+            <a:extLst>
+              <a:ext uri="{FF2B5EF4-FFF2-40B4-BE49-F238E27FC236}">
+                <a16:creationId xmlns:a16="http://schemas.microsoft.com/office/drawing/2014/main" id="{D51F4720-D98C-4052-8BFA-0C8A9B2A3737}"/>
               </a:ext>
             </a:extLst>
           </p:cNvPr>
@@ -1278,10 +1253,10 @@
       </p:sp>
       <p:sp>
         <p:nvSpPr>
-          <p:cNvPr id="27" name="Picture Placeholder 26">
-            <a:extLst>
-              <a:ext uri="{FF2B5EF4-FFF2-40B4-BE49-F238E27FC236}">
-                <a16:creationId xmlns:a16="http://schemas.microsoft.com/office/drawing/2014/main" id="{C54E432B-800B-40B4-B69C-98FF541ED76B}"/>
+          <p:cNvPr id="4" name="Picture Placeholder 3">
+            <a:extLst>
+              <a:ext uri="{FF2B5EF4-FFF2-40B4-BE49-F238E27FC236}">
+                <a16:creationId xmlns:a16="http://schemas.microsoft.com/office/drawing/2014/main" id="{34B961B1-50FA-4037-B4CF-6BCB3AFBDD74}"/>
               </a:ext>
             </a:extLst>
           </p:cNvPr>
@@ -1296,10 +1271,10 @@
       </p:sp>
       <p:sp>
         <p:nvSpPr>
-          <p:cNvPr id="28" name="Picture Placeholder 27">
-            <a:extLst>
-              <a:ext uri="{FF2B5EF4-FFF2-40B4-BE49-F238E27FC236}">
-                <a16:creationId xmlns:a16="http://schemas.microsoft.com/office/drawing/2014/main" id="{0B831D98-FDA3-44B6-BD22-0706081C66FF}"/>
+          <p:cNvPr id="8" name="Picture Placeholder 7">
+            <a:extLst>
+              <a:ext uri="{FF2B5EF4-FFF2-40B4-BE49-F238E27FC236}">
+                <a16:creationId xmlns:a16="http://schemas.microsoft.com/office/drawing/2014/main" id="{2D059725-9E44-4867-9DF9-11E116B6E20D}"/>
               </a:ext>
             </a:extLst>
           </p:cNvPr>
@@ -1314,10 +1289,10 @@
       </p:sp>
       <p:sp>
         <p:nvSpPr>
-          <p:cNvPr id="29" name="Picture Placeholder 28">
-            <a:extLst>
-              <a:ext uri="{FF2B5EF4-FFF2-40B4-BE49-F238E27FC236}">
-                <a16:creationId xmlns:a16="http://schemas.microsoft.com/office/drawing/2014/main" id="{438D5D09-F7E2-439F-83B7-B6B81B6459E7}"/>
+          <p:cNvPr id="10" name="Picture Placeholder 9">
+            <a:extLst>
+              <a:ext uri="{FF2B5EF4-FFF2-40B4-BE49-F238E27FC236}">
+                <a16:creationId xmlns:a16="http://schemas.microsoft.com/office/drawing/2014/main" id="{621B1C22-9EE0-4545-A365-C079420A9ADD}"/>
               </a:ext>
             </a:extLst>
           </p:cNvPr>
@@ -1332,10 +1307,10 @@
       </p:sp>
       <p:sp>
         <p:nvSpPr>
-          <p:cNvPr id="30" name="Picture Placeholder 29">
-            <a:extLst>
-              <a:ext uri="{FF2B5EF4-FFF2-40B4-BE49-F238E27FC236}">
-                <a16:creationId xmlns:a16="http://schemas.microsoft.com/office/drawing/2014/main" id="{7DB766D3-4E7D-43AD-8009-C6DBBEB42689}"/>
+          <p:cNvPr id="12" name="Picture Placeholder 11">
+            <a:extLst>
+              <a:ext uri="{FF2B5EF4-FFF2-40B4-BE49-F238E27FC236}">
+                <a16:creationId xmlns:a16="http://schemas.microsoft.com/office/drawing/2014/main" id="{8E858564-C49B-4F6C-9298-C600026D9C08}"/>
               </a:ext>
             </a:extLst>
           </p:cNvPr>

--- a/social/instagram - titles.pptx
+++ b/social/instagram - titles.pptx
@@ -570,7 +570,7 @@
           <a:p>
             <a:fld id="{865D7AB1-FF78-44A7-B276-877EED28BAA5}" type="datetimeFigureOut">
               <a:rPr lang="en-US" smtClean="0"/>
-              <a:t>1/14/2022</a:t>
+              <a:t>1/15/2022</a:t>
             </a:fld>
             <a:endParaRPr lang="en-US"/>
           </a:p>
@@ -1036,8 +1036,8 @@
         </p:nvSpPr>
         <p:spPr>
           <a:xfrm>
-            <a:off x="7446704" y="457200"/>
-            <a:ext cx="1208665" cy="307777"/>
+            <a:off x="7445101" y="457200"/>
+            <a:ext cx="1210268" cy="307777"/>
           </a:xfrm>
           <a:prstGeom prst="rect">
             <a:avLst/>
@@ -1055,7 +1055,7 @@
               <a:rPr lang="en-US" sz="2000" dirty="0">
                 <a:latin typeface="Impact" panose="020B0806030902050204" pitchFamily="34" charset="0"/>
               </a:rPr>
-              <a:t>Jan 13, 2021</a:t>
+              <a:t>Jan 15, 2021</a:t>
             </a:r>
           </a:p>
         </p:txBody>
@@ -1074,8 +1074,8 @@
         </p:nvSpPr>
         <p:spPr>
           <a:xfrm>
-            <a:off x="7622970" y="8471356"/>
-            <a:ext cx="1032399" cy="215444"/>
+            <a:off x="7385790" y="8471356"/>
+            <a:ext cx="1269579" cy="215444"/>
           </a:xfrm>
           <a:prstGeom prst="rect">
             <a:avLst/>
@@ -1093,17 +1093,8 @@
               <a:rPr lang="en-US" sz="1400" dirty="0">
                 <a:latin typeface="Impact" panose="020B0806030902050204" pitchFamily="34" charset="0"/>
               </a:rPr>
-              <a:t>By </a:t>
-            </a:r>
-            <a:r>
-              <a:rPr lang="en-US" sz="1400" dirty="0" err="1">
-                <a:latin typeface="Impact" panose="020B0806030902050204" pitchFamily="34" charset="0"/>
-              </a:rPr>
-              <a:t>CyrilMartin</a:t>
-            </a:r>
-            <a:endParaRPr lang="en-US" sz="1400" dirty="0">
-              <a:latin typeface="Impact" panose="020B0806030902050204" pitchFamily="34" charset="0"/>
-            </a:endParaRPr>
+              <a:t>by ElMaruecan82</a:t>
+            </a:r>
           </a:p>
         </p:txBody>
       </p:sp>
@@ -1122,7 +1113,7 @@
         <p:spPr>
           <a:xfrm>
             <a:off x="425769" y="8471356"/>
-            <a:ext cx="3146695" cy="215444"/>
+            <a:ext cx="3097964" cy="215444"/>
           </a:xfrm>
           <a:prstGeom prst="rect">
             <a:avLst/>
@@ -1139,7 +1130,7 @@
               <a:rPr lang="en-US" sz="1400" dirty="0">
                 <a:latin typeface="Impact" panose="020B0806030902050204" pitchFamily="34" charset="0"/>
               </a:rPr>
-              <a:t>https://www.imdb.com/poll/2aZCIiHCCM8/</a:t>
+              <a:t>https://www.imdb.com/poll/Q-8FtbKuEAA/</a:t>
             </a:r>
           </a:p>
         </p:txBody>
@@ -1185,7 +1176,7 @@
                 </a:effectLst>
                 <a:latin typeface="Impact" panose="020B0806030902050204" pitchFamily="34" charset="0"/>
               </a:rPr>
-              <a:t>Favorite Detective</a:t>
+              <a:t>TV Shows at 25</a:t>
             </a:r>
             <a:br>
               <a:rPr lang="en-US" sz="7200" dirty="0">
@@ -1210,7 +1201,7 @@
                 </a:effectLst>
                 <a:latin typeface="Impact" panose="020B0806030902050204" pitchFamily="34" charset="0"/>
               </a:rPr>
-              <a:t>TV Series</a:t>
+              <a:t>in 2022</a:t>
             </a:r>
           </a:p>
         </p:txBody>
@@ -1220,7 +1211,7 @@
           <p:cNvPr id="2" name="Picture Placeholder 1">
             <a:extLst>
               <a:ext uri="{FF2B5EF4-FFF2-40B4-BE49-F238E27FC236}">
-                <a16:creationId xmlns:a16="http://schemas.microsoft.com/office/drawing/2014/main" id="{6EB6DE1F-751B-46D8-BE0A-4FD79E9402B1}"/>
+                <a16:creationId xmlns:a16="http://schemas.microsoft.com/office/drawing/2014/main" id="{77ED8F96-9E32-4415-96CE-1567C6EC2197}"/>
               </a:ext>
             </a:extLst>
           </p:cNvPr>
@@ -1238,7 +1229,7 @@
           <p:cNvPr id="3" name="Picture Placeholder 2">
             <a:extLst>
               <a:ext uri="{FF2B5EF4-FFF2-40B4-BE49-F238E27FC236}">
-                <a16:creationId xmlns:a16="http://schemas.microsoft.com/office/drawing/2014/main" id="{D51F4720-D98C-4052-8BFA-0C8A9B2A3737}"/>
+                <a16:creationId xmlns:a16="http://schemas.microsoft.com/office/drawing/2014/main" id="{34D7DD71-0F90-4E7F-8722-C3D5FEA05119}"/>
               </a:ext>
             </a:extLst>
           </p:cNvPr>
@@ -1256,7 +1247,7 @@
           <p:cNvPr id="4" name="Picture Placeholder 3">
             <a:extLst>
               <a:ext uri="{FF2B5EF4-FFF2-40B4-BE49-F238E27FC236}">
-                <a16:creationId xmlns:a16="http://schemas.microsoft.com/office/drawing/2014/main" id="{34B961B1-50FA-4037-B4CF-6BCB3AFBDD74}"/>
+                <a16:creationId xmlns:a16="http://schemas.microsoft.com/office/drawing/2014/main" id="{C3D4608F-57B6-49F2-898B-D417F2D002A2}"/>
               </a:ext>
             </a:extLst>
           </p:cNvPr>
@@ -1274,7 +1265,7 @@
           <p:cNvPr id="8" name="Picture Placeholder 7">
             <a:extLst>
               <a:ext uri="{FF2B5EF4-FFF2-40B4-BE49-F238E27FC236}">
-                <a16:creationId xmlns:a16="http://schemas.microsoft.com/office/drawing/2014/main" id="{2D059725-9E44-4867-9DF9-11E116B6E20D}"/>
+                <a16:creationId xmlns:a16="http://schemas.microsoft.com/office/drawing/2014/main" id="{8B7A0215-F30A-4652-98E4-B2422551C039}"/>
               </a:ext>
             </a:extLst>
           </p:cNvPr>
@@ -1292,7 +1283,7 @@
           <p:cNvPr id="10" name="Picture Placeholder 9">
             <a:extLst>
               <a:ext uri="{FF2B5EF4-FFF2-40B4-BE49-F238E27FC236}">
-                <a16:creationId xmlns:a16="http://schemas.microsoft.com/office/drawing/2014/main" id="{621B1C22-9EE0-4545-A365-C079420A9ADD}"/>
+                <a16:creationId xmlns:a16="http://schemas.microsoft.com/office/drawing/2014/main" id="{C901929B-1976-44E2-8D03-86EEF884F3BF}"/>
               </a:ext>
             </a:extLst>
           </p:cNvPr>
@@ -1310,7 +1301,7 @@
           <p:cNvPr id="12" name="Picture Placeholder 11">
             <a:extLst>
               <a:ext uri="{FF2B5EF4-FFF2-40B4-BE49-F238E27FC236}">
-                <a16:creationId xmlns:a16="http://schemas.microsoft.com/office/drawing/2014/main" id="{8E858564-C49B-4F6C-9298-C600026D9C08}"/>
+                <a16:creationId xmlns:a16="http://schemas.microsoft.com/office/drawing/2014/main" id="{F08247EB-16E8-4C78-8C69-40DE76E6980C}"/>
               </a:ext>
             </a:extLst>
           </p:cNvPr>
